--- a/DersSunuları/4.Hafta-GA_Ornek.pptx
+++ b/DersSunuları/4.Hafta-GA_Ornek.pptx
@@ -3805,23 +3805,7 @@
                   <a:schemeClr val="bg1"/>
                 </a:solidFill>
               </a:rPr>
-              <a:t>. </a:t>
-            </a:r>
-            <a:r>
-              <a:rPr lang="tr-TR" dirty="0" smtClean="0">
-                <a:solidFill>
-                  <a:schemeClr val="bg1"/>
-                </a:solidFill>
-              </a:rPr>
-              <a:t>Hafta  - GA – Genetik </a:t>
-            </a:r>
-            <a:r>
-              <a:rPr lang="tr-TR" dirty="0" smtClean="0">
-                <a:solidFill>
-                  <a:schemeClr val="bg1"/>
-                </a:solidFill>
-              </a:rPr>
-              <a:t>Algoritmalar – Örnek Problem</a:t>
+              <a:t>. Hafta  - GA – Genetik Algoritmalar – Örnek Problem</a:t>
             </a:r>
           </a:p>
         </p:txBody>
@@ -4761,16 +4745,6 @@
               </a:rPr>
               <a:t> :</a:t>
             </a:r>
-            <a:endParaRPr lang="tr-TR" sz="1800" dirty="0" smtClean="0">
-              <a:solidFill>
-                <a:prstClr val="black">
-                  <a:lumMod val="75000"/>
-                  <a:lumOff val="25000"/>
-                </a:prstClr>
-              </a:solidFill>
-              <a:latin typeface="Segoe UI" panose="020B0502040204020203" pitchFamily="34" charset="0"/>
-              <a:cs typeface="Segoe UI" panose="020B0502040204020203" pitchFamily="34" charset="0"/>
-            </a:endParaRPr>
           </a:p>
           <a:p>
             <a:pPr marL="0" indent="0">
@@ -11915,7 +11889,6 @@
               <a:rPr lang="tr-TR" sz="1800" dirty="0" smtClean="0"/>
               <a:t>Turnuva  seçilimi yapılsın.   Turnuvaya katılacak kromozom sayısı 2 olarak belirlenmiştir.</a:t>
             </a:r>
-            <a:endParaRPr lang="tr-TR" sz="1800" dirty="0" smtClean="0"/>
           </a:p>
           <a:p>
             <a:pPr marL="0" indent="0">
@@ -13012,20 +12985,7 @@
                 <a:latin typeface="Segoe UI" panose="020B0502040204020203" pitchFamily="34" charset="0"/>
                 <a:cs typeface="Segoe UI" panose="020B0502040204020203" pitchFamily="34" charset="0"/>
               </a:rPr>
-              <a:t>C</a:t>
-            </a:r>
-            <a:r>
-              <a:rPr lang="tr-TR" sz="1800" b="1" dirty="0" err="1" smtClean="0">
-                <a:solidFill>
-                  <a:prstClr val="black">
-                    <a:lumMod val="75000"/>
-                    <a:lumOff val="25000"/>
-                  </a:prstClr>
-                </a:solidFill>
-                <a:latin typeface="Segoe UI" panose="020B0502040204020203" pitchFamily="34" charset="0"/>
-                <a:cs typeface="Segoe UI" panose="020B0502040204020203" pitchFamily="34" charset="0"/>
-              </a:rPr>
-              <a:t>rossover</a:t>
+              <a:t>Crossover</a:t>
             </a:r>
             <a:r>
               <a:rPr lang="tr-TR" sz="1800" b="1" dirty="0" smtClean="0">
@@ -13318,7 +13278,7 @@
         </p:blipFill>
         <p:spPr>
           <a:xfrm>
-            <a:off x="2828560" y="5563242"/>
+            <a:off x="2961908" y="5555509"/>
             <a:ext cx="1228896" cy="466790"/>
           </a:xfrm>
           <a:prstGeom prst="rect">
@@ -14293,16 +14253,6 @@
               </a:rPr>
               <a:t> :</a:t>
             </a:r>
-            <a:endParaRPr lang="tr-TR" sz="1800" dirty="0" smtClean="0">
-              <a:solidFill>
-                <a:prstClr val="black">
-                  <a:lumMod val="75000"/>
-                  <a:lumOff val="25000"/>
-                </a:prstClr>
-              </a:solidFill>
-              <a:latin typeface="Segoe UI" panose="020B0502040204020203" pitchFamily="34" charset="0"/>
-              <a:cs typeface="Segoe UI" panose="020B0502040204020203" pitchFamily="34" charset="0"/>
-            </a:endParaRPr>
           </a:p>
           <a:p>
             <a:pPr marL="0" indent="0">
@@ -15243,21 +15193,21 @@
 </file>
 
 <file path=customXml/item1.xml><?xml version="1.0" encoding="utf-8"?>
+<?mso-contentType ?>
+<FormTemplates xmlns="http://schemas.microsoft.com/sharepoint/v3/contenttype/forms">
+  <Display>DocumentLibraryForm</Display>
+  <Edit>DocumentLibraryForm</Edit>
+  <New>DocumentLibraryForm</New>
+</FormTemplates>
+</file>
+
+<file path=customXml/item2.xml><?xml version="1.0" encoding="utf-8"?>
 <p:properties xmlns:p="http://schemas.microsoft.com/office/2006/metadata/properties" xmlns:xsi="http://www.w3.org/2001/XMLSchema-instance" xmlns:pc="http://schemas.microsoft.com/office/infopath/2007/PartnerControls">
   <documentManagement>
     <Status xmlns="71af3243-3dd4-4a8d-8c0d-dd76da1f02a5">Not started</Status>
     <MediaServiceKeyPoints xmlns="71af3243-3dd4-4a8d-8c0d-dd76da1f02a5" xsi:nil="true"/>
   </documentManagement>
 </p:properties>
-</file>
-
-<file path=customXml/item2.xml><?xml version="1.0" encoding="utf-8"?>
-<?mso-contentType ?>
-<FormTemplates xmlns="http://schemas.microsoft.com/sharepoint/v3/contenttype/forms">
-  <Display>DocumentLibraryForm</Display>
-  <Edit>DocumentLibraryForm</Edit>
-  <New>DocumentLibraryForm</New>
-</FormTemplates>
 </file>
 
 <file path=customXml/item3.xml><?xml version="1.0" encoding="utf-8"?>
@@ -15482,19 +15432,19 @@
 </file>
 
 <file path=customXml/itemProps1.xml><?xml version="1.0" encoding="utf-8"?>
+<ds:datastoreItem xmlns:ds="http://schemas.openxmlformats.org/officeDocument/2006/customXml" ds:itemID="{7EE8C63A-4744-4DE4-BB49-0FF0B5375C60}">
+  <ds:schemaRefs>
+    <ds:schemaRef ds:uri="http://schemas.microsoft.com/sharepoint/v3/contenttype/forms"/>
+  </ds:schemaRefs>
+</ds:datastoreItem>
+</file>
+
+<file path=customXml/itemProps2.xml><?xml version="1.0" encoding="utf-8"?>
 <ds:datastoreItem xmlns:ds="http://schemas.openxmlformats.org/officeDocument/2006/customXml" ds:itemID="{950072C5-DDE0-4258-BA7A-4D4B80DFA632}">
   <ds:schemaRefs>
     <ds:schemaRef ds:uri="http://schemas.microsoft.com/office/2006/metadata/properties"/>
     <ds:schemaRef ds:uri="http://schemas.microsoft.com/office/infopath/2007/PartnerControls"/>
     <ds:schemaRef ds:uri="71af3243-3dd4-4a8d-8c0d-dd76da1f02a5"/>
-  </ds:schemaRefs>
-</ds:datastoreItem>
-</file>
-
-<file path=customXml/itemProps2.xml><?xml version="1.0" encoding="utf-8"?>
-<ds:datastoreItem xmlns:ds="http://schemas.openxmlformats.org/officeDocument/2006/customXml" ds:itemID="{7EE8C63A-4744-4DE4-BB49-0FF0B5375C60}">
-  <ds:schemaRefs>
-    <ds:schemaRef ds:uri="http://schemas.microsoft.com/sharepoint/v3/contenttype/forms"/>
   </ds:schemaRefs>
 </ds:datastoreItem>
 </file>

--- a/DersSunuları/4.Hafta-GA_Ornek.pptx
+++ b/DersSunuları/4.Hafta-GA_Ornek.pptx
@@ -265,7 +265,7 @@
             <a:pPr rtl="0"/>
             <a:fld id="{DB640EDB-8696-4821-9977-ADF2EA20DA76}" type="datetime1">
               <a:rPr lang="tr-TR" smtClean="0"/>
-              <a:t>24.10.2024</a:t>
+              <a:t>14.11.2024</a:t>
             </a:fld>
             <a:endParaRPr lang="tr-TR" dirty="0"/>
           </a:p>
@@ -435,7 +435,7 @@
             <a:pPr rtl="0"/>
             <a:fld id="{175B46EE-8D9E-4234-843E-EA54547AD9AE}" type="datetime1">
               <a:rPr lang="tr-TR" noProof="0" smtClean="0"/>
-              <a:t>24.10.2024</a:t>
+              <a:t>14.11.2024</a:t>
             </a:fld>
             <a:endParaRPr lang="tr-TR" noProof="0" dirty="0"/>
           </a:p>
@@ -2362,7 +2362,7 @@
             <a:pPr rtl="0"/>
             <a:fld id="{5FAED58F-EB5B-4A36-96E7-60A39EA93EB2}" type="datetime1">
               <a:rPr lang="tr-TR" noProof="0" smtClean="0"/>
-              <a:t>24.10.2024</a:t>
+              <a:t>14.11.2024</a:t>
             </a:fld>
             <a:endParaRPr lang="tr-TR" noProof="0" dirty="0"/>
           </a:p>
@@ -2992,7 +2992,7 @@
             <a:pPr rtl="0"/>
             <a:fld id="{B79A2361-2820-4F23-9FB2-E2B2AB16E0CA}" type="datetime1">
               <a:rPr lang="tr-TR" noProof="0" smtClean="0"/>
-              <a:t>24.10.2024</a:t>
+              <a:t>14.11.2024</a:t>
             </a:fld>
             <a:endParaRPr lang="tr-TR" noProof="0" dirty="0"/>
           </a:p>
@@ -12676,12 +12676,17 @@
         </p:nvSpPr>
         <p:spPr>
           <a:xfrm>
-            <a:off x="905403" y="1517825"/>
+            <a:off x="887705" y="1429335"/>
             <a:ext cx="10987239" cy="5247646"/>
           </a:xfrm>
           <a:prstGeom prst="rect">
             <a:avLst/>
           </a:prstGeom>
+          <a:ln>
+            <a:solidFill>
+              <a:srgbClr val="00B050"/>
+            </a:solidFill>
+          </a:ln>
         </p:spPr>
         <p:txBody>
           <a:bodyPr vert="horz" lIns="91440" tIns="45720" rIns="91440" bIns="45720" rtlCol="0">
@@ -13278,7 +13283,7 @@
         </p:blipFill>
         <p:spPr>
           <a:xfrm>
-            <a:off x="2961908" y="5555509"/>
+            <a:off x="4190804" y="5525864"/>
             <a:ext cx="1228896" cy="466790"/>
           </a:xfrm>
           <a:prstGeom prst="rect">
@@ -13302,7 +13307,7 @@
         </p:blipFill>
         <p:spPr>
           <a:xfrm>
-            <a:off x="4209856" y="5563242"/>
+            <a:off x="2876602" y="5535391"/>
             <a:ext cx="1238423" cy="447737"/>
           </a:xfrm>
           <a:prstGeom prst="rect">
@@ -13310,6 +13315,155 @@
           </a:prstGeom>
         </p:spPr>
       </p:pic>
+      <p:cxnSp>
+        <p:nvCxnSpPr>
+          <p:cNvPr id="12" name="Düz Ok Bağlayıcısı 11"/>
+          <p:cNvCxnSpPr>
+            <a:endCxn id="4" idx="0"/>
+          </p:cNvCxnSpPr>
+          <p:nvPr/>
+        </p:nvCxnSpPr>
+        <p:spPr>
+          <a:xfrm>
+            <a:off x="1934988" y="2442333"/>
+            <a:ext cx="1498494" cy="1780089"/>
+          </a:xfrm>
+          <a:prstGeom prst="straightConnector1">
+            <a:avLst/>
+          </a:prstGeom>
+          <a:ln>
+            <a:tailEnd type="triangle"/>
+          </a:ln>
+        </p:spPr>
+        <p:style>
+          <a:lnRef idx="1">
+            <a:schemeClr val="accent1"/>
+          </a:lnRef>
+          <a:fillRef idx="0">
+            <a:schemeClr val="accent1"/>
+          </a:fillRef>
+          <a:effectRef idx="0">
+            <a:schemeClr val="accent1"/>
+          </a:effectRef>
+          <a:fontRef idx="minor">
+            <a:schemeClr val="tx1"/>
+          </a:fontRef>
+        </p:style>
+      </p:cxnSp>
+      <p:cxnSp>
+        <p:nvCxnSpPr>
+          <p:cNvPr id="14" name="Düz Ok Bağlayıcısı 13"/>
+          <p:cNvCxnSpPr>
+            <a:endCxn id="7" idx="0"/>
+          </p:cNvCxnSpPr>
+          <p:nvPr/>
+        </p:nvCxnSpPr>
+        <p:spPr>
+          <a:xfrm flipH="1">
+            <a:off x="4805252" y="2465176"/>
+            <a:ext cx="3619027" cy="1766771"/>
+          </a:xfrm>
+          <a:prstGeom prst="straightConnector1">
+            <a:avLst/>
+          </a:prstGeom>
+          <a:ln>
+            <a:solidFill>
+              <a:srgbClr val="FF0000"/>
+            </a:solidFill>
+            <a:tailEnd type="triangle"/>
+          </a:ln>
+        </p:spPr>
+        <p:style>
+          <a:lnRef idx="1">
+            <a:schemeClr val="accent1"/>
+          </a:lnRef>
+          <a:fillRef idx="0">
+            <a:schemeClr val="accent1"/>
+          </a:fillRef>
+          <a:effectRef idx="0">
+            <a:schemeClr val="accent1"/>
+          </a:effectRef>
+          <a:fontRef idx="minor">
+            <a:schemeClr val="tx1"/>
+          </a:fontRef>
+        </p:style>
+      </p:cxnSp>
+      <p:cxnSp>
+        <p:nvCxnSpPr>
+          <p:cNvPr id="16" name="Düz Ok Bağlayıcısı 15"/>
+          <p:cNvCxnSpPr>
+            <a:endCxn id="10" idx="0"/>
+          </p:cNvCxnSpPr>
+          <p:nvPr/>
+        </p:nvCxnSpPr>
+        <p:spPr>
+          <a:xfrm flipH="1">
+            <a:off x="3495814" y="2465176"/>
+            <a:ext cx="3825285" cy="3070215"/>
+          </a:xfrm>
+          <a:prstGeom prst="straightConnector1">
+            <a:avLst/>
+          </a:prstGeom>
+          <a:ln>
+            <a:solidFill>
+              <a:srgbClr val="00B050"/>
+            </a:solidFill>
+            <a:tailEnd type="triangle"/>
+          </a:ln>
+        </p:spPr>
+        <p:style>
+          <a:lnRef idx="1">
+            <a:schemeClr val="accent1"/>
+          </a:lnRef>
+          <a:fillRef idx="0">
+            <a:schemeClr val="accent1"/>
+          </a:fillRef>
+          <a:effectRef idx="0">
+            <a:schemeClr val="accent1"/>
+          </a:effectRef>
+          <a:fontRef idx="minor">
+            <a:schemeClr val="tx1"/>
+          </a:fontRef>
+        </p:style>
+      </p:cxnSp>
+      <p:cxnSp>
+        <p:nvCxnSpPr>
+          <p:cNvPr id="18" name="Düz Ok Bağlayıcısı 17"/>
+          <p:cNvCxnSpPr>
+            <a:endCxn id="9" idx="0"/>
+          </p:cNvCxnSpPr>
+          <p:nvPr/>
+        </p:nvCxnSpPr>
+        <p:spPr>
+          <a:xfrm>
+            <a:off x="3120759" y="2442333"/>
+            <a:ext cx="1684493" cy="3083531"/>
+          </a:xfrm>
+          <a:prstGeom prst="straightConnector1">
+            <a:avLst/>
+          </a:prstGeom>
+          <a:ln>
+            <a:solidFill>
+              <a:srgbClr val="7030A0"/>
+            </a:solidFill>
+            <a:tailEnd type="triangle"/>
+          </a:ln>
+        </p:spPr>
+        <p:style>
+          <a:lnRef idx="1">
+            <a:schemeClr val="accent1"/>
+          </a:lnRef>
+          <a:fillRef idx="0">
+            <a:schemeClr val="accent1"/>
+          </a:fillRef>
+          <a:effectRef idx="0">
+            <a:schemeClr val="accent1"/>
+          </a:effectRef>
+          <a:fontRef idx="minor">
+            <a:schemeClr val="tx1"/>
+          </a:fontRef>
+        </p:style>
+      </p:cxnSp>
     </p:spTree>
     <p:extLst>
       <p:ext uri="{BB962C8B-B14F-4D97-AF65-F5344CB8AC3E}">
@@ -15193,21 +15347,21 @@
 </file>
 
 <file path=customXml/item1.xml><?xml version="1.0" encoding="utf-8"?>
+<p:properties xmlns:p="http://schemas.microsoft.com/office/2006/metadata/properties" xmlns:xsi="http://www.w3.org/2001/XMLSchema-instance" xmlns:pc="http://schemas.microsoft.com/office/infopath/2007/PartnerControls">
+  <documentManagement>
+    <Status xmlns="71af3243-3dd4-4a8d-8c0d-dd76da1f02a5">Not started</Status>
+    <MediaServiceKeyPoints xmlns="71af3243-3dd4-4a8d-8c0d-dd76da1f02a5" xsi:nil="true"/>
+  </documentManagement>
+</p:properties>
+</file>
+
+<file path=customXml/item2.xml><?xml version="1.0" encoding="utf-8"?>
 <?mso-contentType ?>
 <FormTemplates xmlns="http://schemas.microsoft.com/sharepoint/v3/contenttype/forms">
   <Display>DocumentLibraryForm</Display>
   <Edit>DocumentLibraryForm</Edit>
   <New>DocumentLibraryForm</New>
 </FormTemplates>
-</file>
-
-<file path=customXml/item2.xml><?xml version="1.0" encoding="utf-8"?>
-<p:properties xmlns:p="http://schemas.microsoft.com/office/2006/metadata/properties" xmlns:xsi="http://www.w3.org/2001/XMLSchema-instance" xmlns:pc="http://schemas.microsoft.com/office/infopath/2007/PartnerControls">
-  <documentManagement>
-    <Status xmlns="71af3243-3dd4-4a8d-8c0d-dd76da1f02a5">Not started</Status>
-    <MediaServiceKeyPoints xmlns="71af3243-3dd4-4a8d-8c0d-dd76da1f02a5" xsi:nil="true"/>
-  </documentManagement>
-</p:properties>
 </file>
 
 <file path=customXml/item3.xml><?xml version="1.0" encoding="utf-8"?>
@@ -15432,19 +15586,19 @@
 </file>
 
 <file path=customXml/itemProps1.xml><?xml version="1.0" encoding="utf-8"?>
-<ds:datastoreItem xmlns:ds="http://schemas.openxmlformats.org/officeDocument/2006/customXml" ds:itemID="{7EE8C63A-4744-4DE4-BB49-0FF0B5375C60}">
+<ds:datastoreItem xmlns:ds="http://schemas.openxmlformats.org/officeDocument/2006/customXml" ds:itemID="{950072C5-DDE0-4258-BA7A-4D4B80DFA632}">
   <ds:schemaRefs>
-    <ds:schemaRef ds:uri="http://schemas.microsoft.com/sharepoint/v3/contenttype/forms"/>
+    <ds:schemaRef ds:uri="http://schemas.microsoft.com/office/2006/metadata/properties"/>
+    <ds:schemaRef ds:uri="http://schemas.microsoft.com/office/infopath/2007/PartnerControls"/>
+    <ds:schemaRef ds:uri="71af3243-3dd4-4a8d-8c0d-dd76da1f02a5"/>
   </ds:schemaRefs>
 </ds:datastoreItem>
 </file>
 
 <file path=customXml/itemProps2.xml><?xml version="1.0" encoding="utf-8"?>
-<ds:datastoreItem xmlns:ds="http://schemas.openxmlformats.org/officeDocument/2006/customXml" ds:itemID="{950072C5-DDE0-4258-BA7A-4D4B80DFA632}">
+<ds:datastoreItem xmlns:ds="http://schemas.openxmlformats.org/officeDocument/2006/customXml" ds:itemID="{7EE8C63A-4744-4DE4-BB49-0FF0B5375C60}">
   <ds:schemaRefs>
-    <ds:schemaRef ds:uri="http://schemas.microsoft.com/office/2006/metadata/properties"/>
-    <ds:schemaRef ds:uri="http://schemas.microsoft.com/office/infopath/2007/PartnerControls"/>
-    <ds:schemaRef ds:uri="71af3243-3dd4-4a8d-8c0d-dd76da1f02a5"/>
+    <ds:schemaRef ds:uri="http://schemas.microsoft.com/sharepoint/v3/contenttype/forms"/>
   </ds:schemaRefs>
 </ds:datastoreItem>
 </file>
